--- a/Working/HW7_FarmChallenge/HW7_Headley_Concept.pptx
+++ b/Working/HW7_FarmChallenge/HW7_Headley_Concept.pptx
@@ -104,6 +104,11 @@
       </a:defRPr>
     </a:lvl9pPr>
   </p:defaultTextStyle>
+  <p:extLst>
+    <p:ext uri="{EFAFB233-063F-42B5-8137-9DF3F51BA10A}">
+      <p15:sldGuideLst xmlns:p15="http://schemas.microsoft.com/office/powerpoint/2012/main"/>
+    </p:ext>
+  </p:extLst>
 </p:presentation>
 </file>
 
@@ -254,7 +259,7 @@
           <a:p>
             <a:fld id="{B1F68E80-F316-44B3-B08F-CDF0C2C0B247}" type="datetimeFigureOut">
               <a:rPr lang="en-US" smtClean="0"/>
-              <a:t>3/15/2022</a:t>
+              <a:t>3/16/2022</a:t>
             </a:fld>
             <a:endParaRPr lang="en-US"/>
           </a:p>
@@ -452,7 +457,7 @@
           <a:p>
             <a:fld id="{B1F68E80-F316-44B3-B08F-CDF0C2C0B247}" type="datetimeFigureOut">
               <a:rPr lang="en-US" smtClean="0"/>
-              <a:t>3/15/2022</a:t>
+              <a:t>3/16/2022</a:t>
             </a:fld>
             <a:endParaRPr lang="en-US"/>
           </a:p>
@@ -660,7 +665,7 @@
           <a:p>
             <a:fld id="{B1F68E80-F316-44B3-B08F-CDF0C2C0B247}" type="datetimeFigureOut">
               <a:rPr lang="en-US" smtClean="0"/>
-              <a:t>3/15/2022</a:t>
+              <a:t>3/16/2022</a:t>
             </a:fld>
             <a:endParaRPr lang="en-US"/>
           </a:p>
@@ -858,7 +863,7 @@
           <a:p>
             <a:fld id="{B1F68E80-F316-44B3-B08F-CDF0C2C0B247}" type="datetimeFigureOut">
               <a:rPr lang="en-US" smtClean="0"/>
-              <a:t>3/15/2022</a:t>
+              <a:t>3/16/2022</a:t>
             </a:fld>
             <a:endParaRPr lang="en-US"/>
           </a:p>
@@ -1133,7 +1138,7 @@
           <a:p>
             <a:fld id="{B1F68E80-F316-44B3-B08F-CDF0C2C0B247}" type="datetimeFigureOut">
               <a:rPr lang="en-US" smtClean="0"/>
-              <a:t>3/15/2022</a:t>
+              <a:t>3/16/2022</a:t>
             </a:fld>
             <a:endParaRPr lang="en-US"/>
           </a:p>
@@ -1398,7 +1403,7 @@
           <a:p>
             <a:fld id="{B1F68E80-F316-44B3-B08F-CDF0C2C0B247}" type="datetimeFigureOut">
               <a:rPr lang="en-US" smtClean="0"/>
-              <a:t>3/15/2022</a:t>
+              <a:t>3/16/2022</a:t>
             </a:fld>
             <a:endParaRPr lang="en-US"/>
           </a:p>
@@ -1810,7 +1815,7 @@
           <a:p>
             <a:fld id="{B1F68E80-F316-44B3-B08F-CDF0C2C0B247}" type="datetimeFigureOut">
               <a:rPr lang="en-US" smtClean="0"/>
-              <a:t>3/15/2022</a:t>
+              <a:t>3/16/2022</a:t>
             </a:fld>
             <a:endParaRPr lang="en-US"/>
           </a:p>
@@ -1951,7 +1956,7 @@
           <a:p>
             <a:fld id="{B1F68E80-F316-44B3-B08F-CDF0C2C0B247}" type="datetimeFigureOut">
               <a:rPr lang="en-US" smtClean="0"/>
-              <a:t>3/15/2022</a:t>
+              <a:t>3/16/2022</a:t>
             </a:fld>
             <a:endParaRPr lang="en-US"/>
           </a:p>
@@ -2064,7 +2069,7 @@
           <a:p>
             <a:fld id="{B1F68E80-F316-44B3-B08F-CDF0C2C0B247}" type="datetimeFigureOut">
               <a:rPr lang="en-US" smtClean="0"/>
-              <a:t>3/15/2022</a:t>
+              <a:t>3/16/2022</a:t>
             </a:fld>
             <a:endParaRPr lang="en-US"/>
           </a:p>
@@ -2375,7 +2380,7 @@
           <a:p>
             <a:fld id="{B1F68E80-F316-44B3-B08F-CDF0C2C0B247}" type="datetimeFigureOut">
               <a:rPr lang="en-US" smtClean="0"/>
-              <a:t>3/15/2022</a:t>
+              <a:t>3/16/2022</a:t>
             </a:fld>
             <a:endParaRPr lang="en-US"/>
           </a:p>
@@ -2663,7 +2668,7 @@
           <a:p>
             <a:fld id="{B1F68E80-F316-44B3-B08F-CDF0C2C0B247}" type="datetimeFigureOut">
               <a:rPr lang="en-US" smtClean="0"/>
-              <a:t>3/15/2022</a:t>
+              <a:t>3/16/2022</a:t>
             </a:fld>
             <a:endParaRPr lang="en-US"/>
           </a:p>
@@ -2904,7 +2909,7 @@
           <a:p>
             <a:fld id="{B1F68E80-F316-44B3-B08F-CDF0C2C0B247}" type="datetimeFigureOut">
               <a:rPr lang="en-US" smtClean="0"/>
-              <a:t>3/15/2022</a:t>
+              <a:t>3/16/2022</a:t>
             </a:fld>
             <a:endParaRPr lang="en-US"/>
           </a:p>
@@ -3336,7 +3341,7 @@
           <p:nvPr/>
         </p:nvPicPr>
         <p:blipFill>
-          <a:blip r:embed="rId3">
+          <a:blip r:embed="rId2">
             <a:extLst>
               <a:ext uri="{28A0092B-C50C-407E-A947-70E740481C1C}">
                 <a14:useLocalDpi xmlns:a14="http://schemas.microsoft.com/office/drawing/2010/main" val="0"/>
